--- a/pocs/microfrontend/POC MicroFrontend - Estado - César Ogalde - v1.0.pptx
+++ b/pocs/microfrontend/POC MicroFrontend - Estado - César Ogalde - v1.0.pptx
@@ -7106,11 +7106,15 @@
             </a:r>
             <a:r>
               <a:rPr lang="en-US" dirty="0" err="1" smtClean="0"/>
-              <a:t>Microfronends</a:t>
+              <a:t>Microfrontends</a:t>
             </a:r>
             <a:r>
               <a:rPr lang="en-US" dirty="0" smtClean="0"/>
-              <a:t> (menu, header, bar and static).</a:t>
+              <a:t> </a:t>
+            </a:r>
+            <a:r>
+              <a:rPr lang="en-US" dirty="0" smtClean="0"/>
+              <a:t>(menu, header, bar and static).</a:t>
             </a:r>
           </a:p>
           <a:p>
@@ -9975,8 +9979,19 @@
               <a:buChar char="•"/>
             </a:pPr>
             <a:r>
+              <a:rPr lang="en-US" sz="4700" dirty="0">
+                <a:solidFill>
+                  <a:schemeClr val="accent1">
+                    <a:lumMod val="60000"/>
+                    <a:lumOff val="40000"/>
+                  </a:schemeClr>
+                </a:solidFill>
+              </a:rPr>
+              <a:t>[OK] </a:t>
+            </a:r>
+            <a:r>
               <a:rPr lang="en-US" dirty="0" smtClean="0"/>
-              <a:t>[OK] Select </a:t>
+              <a:t>Select </a:t>
             </a:r>
             <a:r>
               <a:rPr lang="en-US" dirty="0" err="1" smtClean="0"/>
@@ -9986,6 +10001,22 @@
               <a:rPr lang="en-US" dirty="0" smtClean="0"/>
               <a:t> framework</a:t>
             </a:r>
+          </a:p>
+          <a:p>
+            <a:pPr marL="1371600" lvl="3" indent="0"/>
+            <a:r>
+              <a:rPr lang="es-CL" sz="4700" dirty="0" smtClean="0">
+                <a:solidFill>
+                  <a:schemeClr val="bg1"/>
+                </a:solidFill>
+              </a:rPr>
+              <a:t>“Single-SPA”</a:t>
+            </a:r>
+            <a:endParaRPr lang="en-US" sz="4700" dirty="0" smtClean="0">
+              <a:solidFill>
+                <a:schemeClr val="bg1"/>
+              </a:solidFill>
+            </a:endParaRPr>
           </a:p>
           <a:p>
             <a:pPr marL="1143000" lvl="1" indent="-685800">
@@ -9993,8 +10024,30 @@
               <a:buChar char="•"/>
             </a:pPr>
             <a:r>
+              <a:rPr lang="en-US" sz="4700" dirty="0" smtClean="0">
+                <a:solidFill>
+                  <a:schemeClr val="accent1">
+                    <a:lumMod val="60000"/>
+                    <a:lumOff val="40000"/>
+                  </a:schemeClr>
+                </a:solidFill>
+              </a:rPr>
+              <a:t>[</a:t>
+            </a:r>
+            <a:r>
+              <a:rPr lang="en-US" sz="4700" dirty="0">
+                <a:solidFill>
+                  <a:schemeClr val="accent1">
+                    <a:lumMod val="60000"/>
+                    <a:lumOff val="40000"/>
+                  </a:schemeClr>
+                </a:solidFill>
+              </a:rPr>
+              <a:t>OK] </a:t>
+            </a:r>
+            <a:r>
               <a:rPr lang="en-US" dirty="0" smtClean="0"/>
-              <a:t>[OK] Get </a:t>
+              <a:t>Get </a:t>
             </a:r>
             <a:r>
               <a:rPr lang="en-US" dirty="0" err="1" smtClean="0"/>
@@ -10012,6 +10065,10 @@
               <a:rPr lang="en-US" dirty="0" smtClean="0"/>
               <a:t>.</a:t>
             </a:r>
+          </a:p>
+          <a:p>
+            <a:pPr marL="914400" lvl="2" indent="0"/>
+            <a:endParaRPr lang="en-US" dirty="0" smtClean="0"/>
           </a:p>
           <a:p>
             <a:pPr marL="1143000" lvl="1" indent="-685800">
@@ -10019,8 +10076,19 @@
               <a:buChar char="•"/>
             </a:pPr>
             <a:r>
+              <a:rPr lang="en-US" sz="4700" dirty="0">
+                <a:solidFill>
+                  <a:schemeClr val="accent1">
+                    <a:lumMod val="60000"/>
+                    <a:lumOff val="40000"/>
+                  </a:schemeClr>
+                </a:solidFill>
+              </a:rPr>
+              <a:t>[OK] </a:t>
+            </a:r>
+            <a:r>
               <a:rPr lang="en-US" dirty="0" smtClean="0"/>
-              <a:t>[OK] Local execution of old </a:t>
+              <a:t>Local execution of old </a:t>
             </a:r>
             <a:r>
               <a:rPr lang="en-US" dirty="0" err="1" smtClean="0"/>
@@ -10037,8 +10105,19 @@
               <a:buChar char="•"/>
             </a:pPr>
             <a:r>
+              <a:rPr lang="en-US" sz="4700" dirty="0">
+                <a:solidFill>
+                  <a:schemeClr val="accent1">
+                    <a:lumMod val="60000"/>
+                    <a:lumOff val="40000"/>
+                  </a:schemeClr>
+                </a:solidFill>
+              </a:rPr>
+              <a:t>[Run] </a:t>
+            </a:r>
+            <a:r>
               <a:rPr lang="en-US" dirty="0" smtClean="0"/>
-              <a:t>[Run] Define the epic and histories. </a:t>
+              <a:t>Define the epic and histories. </a:t>
             </a:r>
           </a:p>
           <a:p>

--- a/pocs/microfrontend/POC MicroFrontend - Estado - César Ogalde - v1.0.pptx
+++ b/pocs/microfrontend/POC MicroFrontend - Estado - César Ogalde - v1.0.pptx
@@ -25,14 +25,14 @@
   <p:notesSz cx="6858000" cy="9144000"/>
   <p:embeddedFontLst>
     <p:embeddedFont>
-      <p:font typeface="Poppins" panose="020B0604020202020204" charset="0"/>
+      <p:font typeface="Helvetica Neue" panose="020B0604020202020204" charset="0"/>
       <p:regular r:id="rId15"/>
       <p:bold r:id="rId16"/>
       <p:italic r:id="rId17"/>
       <p:boldItalic r:id="rId18"/>
     </p:embeddedFont>
     <p:embeddedFont>
-      <p:font typeface="Helvetica Neue" panose="020B0604020202020204" charset="0"/>
+      <p:font typeface="Poppins" panose="020B0604020202020204" charset="0"/>
       <p:regular r:id="rId19"/>
       <p:bold r:id="rId20"/>
       <p:italic r:id="rId21"/>
@@ -7110,11 +7110,7 @@
             </a:r>
             <a:r>
               <a:rPr lang="en-US" dirty="0" smtClean="0"/>
-              <a:t> </a:t>
-            </a:r>
-            <a:r>
-              <a:rPr lang="en-US" dirty="0" smtClean="0"/>
-              <a:t>(menu, header, bar and static).</a:t>
+              <a:t> (menu, header, bar and static).</a:t>
             </a:r>
           </a:p>
           <a:p>
@@ -8560,8 +8556,27 @@
               <a:buChar char="•"/>
             </a:pPr>
             <a:r>
+              <a:rPr lang="en-US" dirty="0">
+                <a:solidFill>
+                  <a:schemeClr val="accent1">
+                    <a:lumMod val="60000"/>
+                    <a:lumOff val="40000"/>
+                  </a:schemeClr>
+                </a:solidFill>
+              </a:rPr>
+              <a:t>Front Developers</a:t>
+            </a:r>
+            <a:r>
               <a:rPr lang="en-US" dirty="0"/>
-              <a:t>Front Developers : Nestor, Andres.</a:t>
+              <a:t> : </a:t>
+            </a:r>
+            <a:r>
+              <a:rPr lang="en-US" dirty="0" smtClean="0"/>
+              <a:t>Nestor B., </a:t>
+            </a:r>
+            <a:r>
+              <a:rPr lang="en-US" dirty="0"/>
+              <a:t>Andres.</a:t>
             </a:r>
           </a:p>
           <a:p>
@@ -8570,17 +8585,25 @@
               <a:buChar char="•"/>
             </a:pPr>
             <a:r>
+              <a:rPr lang="en-US" dirty="0">
+                <a:solidFill>
+                  <a:schemeClr val="accent1">
+                    <a:lumMod val="60000"/>
+                    <a:lumOff val="40000"/>
+                  </a:schemeClr>
+                </a:solidFill>
+              </a:rPr>
+              <a:t>Leader Cell’s </a:t>
+            </a:r>
+            <a:r>
               <a:rPr lang="en-US" dirty="0"/>
-              <a:t>Leader Cell’s : </a:t>
-            </a:r>
-            <a:r>
-              <a:rPr lang="en-US" strike="sngStrike" dirty="0"/>
-              <a:t>Williams</a:t>
-            </a:r>
-            <a:r>
-              <a:rPr lang="en-US" dirty="0"/>
-              <a:t>, Rodrigo.</a:t>
-            </a:r>
+              <a:t>: </a:t>
+            </a:r>
+            <a:r>
+              <a:rPr lang="en-US" dirty="0" smtClean="0"/>
+              <a:t>Mario G., Rodrigo P.</a:t>
+            </a:r>
+            <a:endParaRPr lang="en-US" dirty="0"/>
           </a:p>
           <a:p>
             <a:pPr marL="1143000" lvl="1" indent="-685800">
@@ -8588,9 +8611,25 @@
               <a:buChar char="•"/>
             </a:pPr>
             <a:r>
+              <a:rPr lang="en-US" dirty="0">
+                <a:solidFill>
+                  <a:schemeClr val="accent1">
+                    <a:lumMod val="60000"/>
+                    <a:lumOff val="40000"/>
+                  </a:schemeClr>
+                </a:solidFill>
+              </a:rPr>
+              <a:t>Architects</a:t>
+            </a:r>
+            <a:r>
               <a:rPr lang="en-US" dirty="0"/>
-              <a:t>Architects : Hans, Cesar.</a:t>
-            </a:r>
+              <a:t> : </a:t>
+            </a:r>
+            <a:r>
+              <a:rPr lang="en-US" dirty="0" smtClean="0"/>
+              <a:t>Hans S., Cesar O.</a:t>
+            </a:r>
+            <a:endParaRPr lang="en-US" dirty="0"/>
           </a:p>
           <a:p>
             <a:pPr marL="685800" indent="-685800">
@@ -9726,8 +9765,19 @@
               <a:buChar char="•"/>
             </a:pPr>
             <a:r>
+              <a:rPr lang="en-US" dirty="0">
+                <a:solidFill>
+                  <a:schemeClr val="accent1">
+                    <a:lumMod val="60000"/>
+                    <a:lumOff val="40000"/>
+                  </a:schemeClr>
+                </a:solidFill>
+              </a:rPr>
+              <a:t>Front Developers</a:t>
+            </a:r>
+            <a:r>
               <a:rPr lang="en-US" dirty="0"/>
-              <a:t>Front Developers : Nestor, Andres.</a:t>
+              <a:t> : Nestor B., Andres.</a:t>
             </a:r>
           </a:p>
           <a:p>
@@ -9736,8 +9786,19 @@
               <a:buChar char="•"/>
             </a:pPr>
             <a:r>
+              <a:rPr lang="en-US" dirty="0">
+                <a:solidFill>
+                  <a:schemeClr val="accent1">
+                    <a:lumMod val="60000"/>
+                    <a:lumOff val="40000"/>
+                  </a:schemeClr>
+                </a:solidFill>
+              </a:rPr>
+              <a:t>Leader Cell’s </a:t>
+            </a:r>
+            <a:r>
               <a:rPr lang="en-US" dirty="0"/>
-              <a:t>Leader Cell’s : Williams, Rodrigo.</a:t>
+              <a:t>: Mario G., Rodrigo P.</a:t>
             </a:r>
           </a:p>
           <a:p>
@@ -9746,8 +9807,19 @@
               <a:buChar char="•"/>
             </a:pPr>
             <a:r>
+              <a:rPr lang="en-US" dirty="0">
+                <a:solidFill>
+                  <a:schemeClr val="accent1">
+                    <a:lumMod val="60000"/>
+                    <a:lumOff val="40000"/>
+                  </a:schemeClr>
+                </a:solidFill>
+              </a:rPr>
+              <a:t>Architects</a:t>
+            </a:r>
+            <a:r>
               <a:rPr lang="en-US" dirty="0"/>
-              <a:t>Architects : Hans, Cesar.</a:t>
+              <a:t> : Hans S., Cesar O.</a:t>
             </a:r>
           </a:p>
           <a:p>
@@ -9761,7 +9833,15 @@
                   <a:srgbClr val="00B050"/>
                 </a:solidFill>
               </a:rPr>
-              <a:t>[OK] Get requirements.</a:t>
+              <a:t>[</a:t>
+            </a:r>
+            <a:r>
+              <a:rPr lang="en-US" dirty="0" smtClean="0">
+                <a:solidFill>
+                  <a:srgbClr val="00B050"/>
+                </a:solidFill>
+              </a:rPr>
+              <a:t>OK] Get requirements.</a:t>
             </a:r>
           </a:p>
           <a:p>
@@ -10395,8 +10475,19 @@
               <a:buChar char="•"/>
             </a:pPr>
             <a:r>
+              <a:rPr lang="en-US" dirty="0">
+                <a:solidFill>
+                  <a:schemeClr val="accent1">
+                    <a:lumMod val="60000"/>
+                    <a:lumOff val="40000"/>
+                  </a:schemeClr>
+                </a:solidFill>
+              </a:rPr>
+              <a:t>Front Developers</a:t>
+            </a:r>
+            <a:r>
               <a:rPr lang="en-US" dirty="0"/>
-              <a:t>Front Developers : Nestor, Andres.</a:t>
+              <a:t> : Nestor B., Andres.</a:t>
             </a:r>
           </a:p>
           <a:p>
@@ -10405,8 +10496,19 @@
               <a:buChar char="•"/>
             </a:pPr>
             <a:r>
+              <a:rPr lang="en-US" dirty="0">
+                <a:solidFill>
+                  <a:schemeClr val="accent1">
+                    <a:lumMod val="60000"/>
+                    <a:lumOff val="40000"/>
+                  </a:schemeClr>
+                </a:solidFill>
+              </a:rPr>
+              <a:t>Leader Cell’s </a:t>
+            </a:r>
+            <a:r>
               <a:rPr lang="en-US" dirty="0"/>
-              <a:t>Leader Cell’s : Williams, Rodrigo.</a:t>
+              <a:t>: Mario G., Rodrigo P.</a:t>
             </a:r>
           </a:p>
           <a:p>
@@ -10415,8 +10517,19 @@
               <a:buChar char="•"/>
             </a:pPr>
             <a:r>
+              <a:rPr lang="en-US" dirty="0">
+                <a:solidFill>
+                  <a:schemeClr val="accent1">
+                    <a:lumMod val="60000"/>
+                    <a:lumOff val="40000"/>
+                  </a:schemeClr>
+                </a:solidFill>
+              </a:rPr>
+              <a:t>Architects</a:t>
+            </a:r>
+            <a:r>
               <a:rPr lang="en-US" dirty="0"/>
-              <a:t>Architects : Hans, Cesar.</a:t>
+              <a:t> : Hans S., Cesar O.</a:t>
             </a:r>
           </a:p>
           <a:p>
@@ -10430,7 +10543,15 @@
                   <a:srgbClr val="00B050"/>
                 </a:solidFill>
               </a:rPr>
-              <a:t>[OK] Get requirements.</a:t>
+              <a:t>[</a:t>
+            </a:r>
+            <a:r>
+              <a:rPr lang="en-US" dirty="0" smtClean="0">
+                <a:solidFill>
+                  <a:srgbClr val="00B050"/>
+                </a:solidFill>
+              </a:rPr>
+              <a:t>OK] Get requirements.</a:t>
             </a:r>
           </a:p>
           <a:p>

--- a/pocs/microfrontend/POC MicroFrontend - Estado - César Ogalde - v1.0.pptx
+++ b/pocs/microfrontend/POC MicroFrontend - Estado - César Ogalde - v1.0.pptx
@@ -8575,9 +8575,10 @@
               <a:t>Nestor B., </a:t>
             </a:r>
             <a:r>
-              <a:rPr lang="en-US" dirty="0"/>
-              <a:t>Andres.</a:t>
-            </a:r>
+              <a:rPr lang="en-US" dirty="0" smtClean="0"/>
+              <a:t>Andres M+1.</a:t>
+            </a:r>
+            <a:endParaRPr lang="en-US" dirty="0"/>
           </a:p>
           <a:p>
             <a:pPr marL="1143000" lvl="1" indent="-685800">
@@ -9833,15 +9834,7 @@
                   <a:srgbClr val="00B050"/>
                 </a:solidFill>
               </a:rPr>
-              <a:t>[</a:t>
-            </a:r>
-            <a:r>
-              <a:rPr lang="en-US" dirty="0" smtClean="0">
-                <a:solidFill>
-                  <a:srgbClr val="00B050"/>
-                </a:solidFill>
-              </a:rPr>
-              <a:t>OK] Get requirements.</a:t>
+              <a:t>[OK] Get requirements.</a:t>
             </a:r>
           </a:p>
           <a:p>
@@ -10543,15 +10536,7 @@
                   <a:srgbClr val="00B050"/>
                 </a:solidFill>
               </a:rPr>
-              <a:t>[</a:t>
-            </a:r>
-            <a:r>
-              <a:rPr lang="en-US" dirty="0" smtClean="0">
-                <a:solidFill>
-                  <a:srgbClr val="00B050"/>
-                </a:solidFill>
-              </a:rPr>
-              <a:t>OK] Get requirements.</a:t>
+              <a:t>[OK] Get requirements.</a:t>
             </a:r>
           </a:p>
           <a:p>
